--- a/TermProject/3차/텀프로젝트_데이터베이스_심종수.pptx
+++ b/TermProject/3차/텀프로젝트_데이터베이스_심종수.pptx
@@ -9173,38 +9173,6 @@
       </p:sp>
       <p:pic>
         <p:nvPicPr>
-          <p:cNvPr id="19" name="그림 18">
-            <a:extLst>
-              <a:ext uri="{FF2B5EF4-FFF2-40B4-BE49-F238E27FC236}">
-                <a16:creationId xmlns:a16="http://schemas.microsoft.com/office/drawing/2014/main" id="{D121F193-226A-431E-91EA-192AE869EEE7}"/>
-              </a:ext>
-            </a:extLst>
-          </p:cNvPr>
-          <p:cNvPicPr/>
-          <p:nvPr/>
-        </p:nvPicPr>
-        <p:blipFill rotWithShape="1">
-          <a:blip r:embed="rId2"/>
-          <a:srcRect l="16949" r="15856" b="64270"/>
-          <a:stretch/>
-        </p:blipFill>
-        <p:spPr bwMode="auto">
-          <a:xfrm>
-            <a:off x="4807350" y="822694"/>
-            <a:ext cx="2057341" cy="1185130"/>
-          </a:xfrm>
-          <a:prstGeom prst="rect">
-            <a:avLst/>
-          </a:prstGeom>
-          <a:extLst>
-            <a:ext uri="{53640926-AAD7-44D8-BBD7-CCE9431645EC}">
-              <a14:shadowObscured xmlns:a14="http://schemas.microsoft.com/office/drawing/2010/main"/>
-            </a:ext>
-          </a:extLst>
-        </p:spPr>
-      </p:pic>
-      <p:pic>
-        <p:nvPicPr>
           <p:cNvPr id="6" name="그림 5">
             <a:extLst>
               <a:ext uri="{FF2B5EF4-FFF2-40B4-BE49-F238E27FC236}">
@@ -9218,7 +9186,7 @@
           <p:nvPr/>
         </p:nvPicPr>
         <p:blipFill>
-          <a:blip r:embed="rId3"/>
+          <a:blip r:embed="rId2"/>
           <a:stretch>
             <a:fillRect/>
           </a:stretch>
@@ -9248,7 +9216,7 @@
           <p:nvPr/>
         </p:nvPicPr>
         <p:blipFill>
-          <a:blip r:embed="rId4"/>
+          <a:blip r:embed="rId3"/>
           <a:stretch>
             <a:fillRect/>
           </a:stretch>
@@ -9278,7 +9246,7 @@
           <p:nvPr/>
         </p:nvPicPr>
         <p:blipFill>
-          <a:blip r:embed="rId5"/>
+          <a:blip r:embed="rId4"/>
           <a:stretch>
             <a:fillRect/>
           </a:stretch>
@@ -9308,7 +9276,7 @@
           <p:nvPr/>
         </p:nvPicPr>
         <p:blipFill>
-          <a:blip r:embed="rId6"/>
+          <a:blip r:embed="rId5"/>
           <a:stretch>
             <a:fillRect/>
           </a:stretch>
@@ -9338,7 +9306,7 @@
           <p:nvPr/>
         </p:nvPicPr>
         <p:blipFill>
-          <a:blip r:embed="rId7"/>
+          <a:blip r:embed="rId6"/>
           <a:stretch>
             <a:fillRect/>
           </a:stretch>
@@ -9368,7 +9336,7 @@
           <p:nvPr/>
         </p:nvPicPr>
         <p:blipFill rotWithShape="1">
-          <a:blip r:embed="rId8"/>
+          <a:blip r:embed="rId7"/>
           <a:srcRect t="68909"/>
           <a:stretch/>
         </p:blipFill>
@@ -9382,6 +9350,79 @@
           </a:prstGeom>
         </p:spPr>
       </p:pic>
+      <p:pic>
+        <p:nvPicPr>
+          <p:cNvPr id="3" name="그림 2">
+            <a:extLst>
+              <a:ext uri="{FF2B5EF4-FFF2-40B4-BE49-F238E27FC236}">
+                <a16:creationId xmlns:a16="http://schemas.microsoft.com/office/drawing/2014/main" id="{DC8CAE17-B872-4C70-8B0F-7B6AF329D72E}"/>
+              </a:ext>
+            </a:extLst>
+          </p:cNvPr>
+          <p:cNvPicPr>
+            <a:picLocks noChangeAspect="1"/>
+          </p:cNvPicPr>
+          <p:nvPr/>
+        </p:nvPicPr>
+        <p:blipFill rotWithShape="1">
+          <a:blip r:embed="rId8"/>
+          <a:srcRect l="18012" r="15847" b="73946"/>
+          <a:stretch/>
+        </p:blipFill>
+        <p:spPr>
+          <a:xfrm>
+            <a:off x="3960561" y="2609269"/>
+            <a:ext cx="3544833" cy="987643"/>
+          </a:xfrm>
+          <a:prstGeom prst="rect">
+            <a:avLst/>
+          </a:prstGeom>
+        </p:spPr>
+      </p:pic>
+      <p:sp>
+        <p:nvSpPr>
+          <p:cNvPr id="4" name="화살표: 오른쪽 3">
+            <a:extLst>
+              <a:ext uri="{FF2B5EF4-FFF2-40B4-BE49-F238E27FC236}">
+                <a16:creationId xmlns:a16="http://schemas.microsoft.com/office/drawing/2014/main" id="{2C09E8B7-26BE-4773-A0BC-32287CC70AA8}"/>
+              </a:ext>
+            </a:extLst>
+          </p:cNvPr>
+          <p:cNvSpPr/>
+          <p:nvPr/>
+        </p:nvSpPr>
+        <p:spPr>
+          <a:xfrm>
+            <a:off x="5424770" y="1105306"/>
+            <a:ext cx="1031419" cy="632142"/>
+          </a:xfrm>
+          <a:prstGeom prst="rightArrow">
+            <a:avLst/>
+          </a:prstGeom>
+        </p:spPr>
+        <p:style>
+          <a:lnRef idx="1">
+            <a:schemeClr val="accent4"/>
+          </a:lnRef>
+          <a:fillRef idx="3">
+            <a:schemeClr val="accent4"/>
+          </a:fillRef>
+          <a:effectRef idx="2">
+            <a:schemeClr val="accent4"/>
+          </a:effectRef>
+          <a:fontRef idx="minor">
+            <a:schemeClr val="lt1"/>
+          </a:fontRef>
+        </p:style>
+        <p:txBody>
+          <a:bodyPr rtlCol="0" anchor="ctr"/>
+          <a:lstStyle/>
+          <a:p>
+            <a:pPr algn="ctr"/>
+            <a:endParaRPr lang="ko-KR" altLang="en-US"/>
+          </a:p>
+        </p:txBody>
+      </p:sp>
     </p:spTree>
     <p:extLst>
       <p:ext uri="{BB962C8B-B14F-4D97-AF65-F5344CB8AC3E}">
